--- a/ppt 16-9/0367.寻见.pptx
+++ b/ppt 16-9/0367.寻见.pptx
@@ -129,7 +129,7 @@
           <p:cNvPr id="2" name="标题 1">
             <a:extLst>
               <a:ext uri="{FF2B5EF4-FFF2-40B4-BE49-F238E27FC236}">
-                <a16:creationId xmlns:a16="http://schemas.microsoft.com/office/drawing/2014/main" id="{CD00D733-2E58-7402-09A6-0F31D4A066BD}"/>
+                <a16:creationId xmlns:a16="http://schemas.microsoft.com/office/drawing/2014/main" id="{12C04AD4-EF48-551C-5870-D89A1D9B2CBC}"/>
               </a:ext>
             </a:extLst>
           </p:cNvPr>
@@ -166,7 +166,7 @@
           <p:cNvPr id="3" name="副标题 2">
             <a:extLst>
               <a:ext uri="{FF2B5EF4-FFF2-40B4-BE49-F238E27FC236}">
-                <a16:creationId xmlns:a16="http://schemas.microsoft.com/office/drawing/2014/main" id="{A818F6B6-79D3-DD6E-2BF5-F651EA1866D9}"/>
+                <a16:creationId xmlns:a16="http://schemas.microsoft.com/office/drawing/2014/main" id="{9C96DFD5-35E1-906C-F127-61B339F70C5D}"/>
               </a:ext>
             </a:extLst>
           </p:cNvPr>
@@ -236,7 +236,7 @@
           <p:cNvPr id="4" name="日期占位符 3">
             <a:extLst>
               <a:ext uri="{FF2B5EF4-FFF2-40B4-BE49-F238E27FC236}">
-                <a16:creationId xmlns:a16="http://schemas.microsoft.com/office/drawing/2014/main" id="{E13EBDEE-CF08-8BAF-01DB-EF7114AF69FF}"/>
+                <a16:creationId xmlns:a16="http://schemas.microsoft.com/office/drawing/2014/main" id="{383B8AB7-7E57-4EA3-74A3-BDB32F10B1CB}"/>
               </a:ext>
             </a:extLst>
           </p:cNvPr>
@@ -252,7 +252,7 @@
           <a:bodyPr/>
           <a:lstStyle/>
           <a:p>
-            <a:fld id="{B03B80B7-198C-4E22-9B3A-4EDDE56D13D1}" type="datetimeFigureOut">
+            <a:fld id="{085EBEFF-B4AA-4493-A2D6-8CC100486FD5}" type="datetimeFigureOut">
               <a:rPr lang="zh-CN" altLang="en-US" smtClean="0"/>
               <a:t>2024/3/10</a:t>
             </a:fld>
@@ -265,7 +265,7 @@
           <p:cNvPr id="5" name="页脚占位符 4">
             <a:extLst>
               <a:ext uri="{FF2B5EF4-FFF2-40B4-BE49-F238E27FC236}">
-                <a16:creationId xmlns:a16="http://schemas.microsoft.com/office/drawing/2014/main" id="{05D15229-653D-E02C-F47F-D1269657BFBF}"/>
+                <a16:creationId xmlns:a16="http://schemas.microsoft.com/office/drawing/2014/main" id="{BDEC3507-F809-2546-C6F5-7BAD22ECD12C}"/>
               </a:ext>
             </a:extLst>
           </p:cNvPr>
@@ -290,7 +290,7 @@
           <p:cNvPr id="6" name="灯片编号占位符 5">
             <a:extLst>
               <a:ext uri="{FF2B5EF4-FFF2-40B4-BE49-F238E27FC236}">
-                <a16:creationId xmlns:a16="http://schemas.microsoft.com/office/drawing/2014/main" id="{EAD674DE-0D7F-5992-7EF4-16F8C512191A}"/>
+                <a16:creationId xmlns:a16="http://schemas.microsoft.com/office/drawing/2014/main" id="{20336678-77A2-F3AC-A2B5-FB1245D4E88F}"/>
               </a:ext>
             </a:extLst>
           </p:cNvPr>
@@ -306,7 +306,7 @@
           <a:bodyPr/>
           <a:lstStyle/>
           <a:p>
-            <a:fld id="{F1E076C9-E43F-4D05-BF1B-6A88089624F1}" type="slidenum">
+            <a:fld id="{1CC65580-C926-4A92-96AD-CE2319679518}" type="slidenum">
               <a:rPr lang="zh-CN" altLang="en-US" smtClean="0"/>
               <a:t>‹#›</a:t>
             </a:fld>
@@ -317,7 +317,7 @@
     </p:spTree>
     <p:extLst>
       <p:ext uri="{BB962C8B-B14F-4D97-AF65-F5344CB8AC3E}">
-        <p14:creationId xmlns:p14="http://schemas.microsoft.com/office/powerpoint/2010/main" val="4023461948"/>
+        <p14:creationId xmlns:p14="http://schemas.microsoft.com/office/powerpoint/2010/main" val="364097049"/>
       </p:ext>
     </p:extLst>
   </p:cSld>
@@ -349,7 +349,7 @@
           <p:cNvPr id="2" name="标题 1">
             <a:extLst>
               <a:ext uri="{FF2B5EF4-FFF2-40B4-BE49-F238E27FC236}">
-                <a16:creationId xmlns:a16="http://schemas.microsoft.com/office/drawing/2014/main" id="{8FCB6B8F-369D-4C05-B7F9-D1266ED6CC2B}"/>
+                <a16:creationId xmlns:a16="http://schemas.microsoft.com/office/drawing/2014/main" id="{092E03D6-36F4-4DF9-4B72-477FFC1B8523}"/>
               </a:ext>
             </a:extLst>
           </p:cNvPr>
@@ -377,7 +377,7 @@
           <p:cNvPr id="3" name="竖排文字占位符 2">
             <a:extLst>
               <a:ext uri="{FF2B5EF4-FFF2-40B4-BE49-F238E27FC236}">
-                <a16:creationId xmlns:a16="http://schemas.microsoft.com/office/drawing/2014/main" id="{B9861990-0057-5025-7F87-7C0378D98D60}"/>
+                <a16:creationId xmlns:a16="http://schemas.microsoft.com/office/drawing/2014/main" id="{182635E9-CF16-B55F-FEAD-8AF87B224A97}"/>
               </a:ext>
             </a:extLst>
           </p:cNvPr>
@@ -434,7 +434,7 @@
           <p:cNvPr id="4" name="日期占位符 3">
             <a:extLst>
               <a:ext uri="{FF2B5EF4-FFF2-40B4-BE49-F238E27FC236}">
-                <a16:creationId xmlns:a16="http://schemas.microsoft.com/office/drawing/2014/main" id="{2CAC163D-C80C-C85E-80FA-34F7E6293164}"/>
+                <a16:creationId xmlns:a16="http://schemas.microsoft.com/office/drawing/2014/main" id="{8BB4951C-C572-636F-DD4E-ABEB29B83BED}"/>
               </a:ext>
             </a:extLst>
           </p:cNvPr>
@@ -450,7 +450,7 @@
           <a:bodyPr/>
           <a:lstStyle/>
           <a:p>
-            <a:fld id="{B03B80B7-198C-4E22-9B3A-4EDDE56D13D1}" type="datetimeFigureOut">
+            <a:fld id="{085EBEFF-B4AA-4493-A2D6-8CC100486FD5}" type="datetimeFigureOut">
               <a:rPr lang="zh-CN" altLang="en-US" smtClean="0"/>
               <a:t>2024/3/10</a:t>
             </a:fld>
@@ -463,7 +463,7 @@
           <p:cNvPr id="5" name="页脚占位符 4">
             <a:extLst>
               <a:ext uri="{FF2B5EF4-FFF2-40B4-BE49-F238E27FC236}">
-                <a16:creationId xmlns:a16="http://schemas.microsoft.com/office/drawing/2014/main" id="{63CB4923-87DC-ED66-C791-5C4CB703F7F0}"/>
+                <a16:creationId xmlns:a16="http://schemas.microsoft.com/office/drawing/2014/main" id="{77F1C10A-2104-025F-4ADC-348D7E9B60B7}"/>
               </a:ext>
             </a:extLst>
           </p:cNvPr>
@@ -488,7 +488,7 @@
           <p:cNvPr id="6" name="灯片编号占位符 5">
             <a:extLst>
               <a:ext uri="{FF2B5EF4-FFF2-40B4-BE49-F238E27FC236}">
-                <a16:creationId xmlns:a16="http://schemas.microsoft.com/office/drawing/2014/main" id="{FBF822E1-A3C1-9EFD-7E1B-BE10F361BC2D}"/>
+                <a16:creationId xmlns:a16="http://schemas.microsoft.com/office/drawing/2014/main" id="{17E73D19-9F05-C33E-D3E7-E22EFBD553C5}"/>
               </a:ext>
             </a:extLst>
           </p:cNvPr>
@@ -504,7 +504,7 @@
           <a:bodyPr/>
           <a:lstStyle/>
           <a:p>
-            <a:fld id="{F1E076C9-E43F-4D05-BF1B-6A88089624F1}" type="slidenum">
+            <a:fld id="{1CC65580-C926-4A92-96AD-CE2319679518}" type="slidenum">
               <a:rPr lang="zh-CN" altLang="en-US" smtClean="0"/>
               <a:t>‹#›</a:t>
             </a:fld>
@@ -515,7 +515,7 @@
     </p:spTree>
     <p:extLst>
       <p:ext uri="{BB962C8B-B14F-4D97-AF65-F5344CB8AC3E}">
-        <p14:creationId xmlns:p14="http://schemas.microsoft.com/office/powerpoint/2010/main" val="933716322"/>
+        <p14:creationId xmlns:p14="http://schemas.microsoft.com/office/powerpoint/2010/main" val="2465215562"/>
       </p:ext>
     </p:extLst>
   </p:cSld>
@@ -547,7 +547,7 @@
           <p:cNvPr id="2" name="竖排标题 1">
             <a:extLst>
               <a:ext uri="{FF2B5EF4-FFF2-40B4-BE49-F238E27FC236}">
-                <a16:creationId xmlns:a16="http://schemas.microsoft.com/office/drawing/2014/main" id="{7032C996-4574-2C6B-A18E-E9C29B44FFDC}"/>
+                <a16:creationId xmlns:a16="http://schemas.microsoft.com/office/drawing/2014/main" id="{8A429267-7F8E-566E-B524-3307B01C86A1}"/>
               </a:ext>
             </a:extLst>
           </p:cNvPr>
@@ -580,7 +580,7 @@
           <p:cNvPr id="3" name="竖排文字占位符 2">
             <a:extLst>
               <a:ext uri="{FF2B5EF4-FFF2-40B4-BE49-F238E27FC236}">
-                <a16:creationId xmlns:a16="http://schemas.microsoft.com/office/drawing/2014/main" id="{C9147EEC-2C8E-F7EB-A088-089384195972}"/>
+                <a16:creationId xmlns:a16="http://schemas.microsoft.com/office/drawing/2014/main" id="{62DF6943-B397-4898-CD2E-04DE9E094672}"/>
               </a:ext>
             </a:extLst>
           </p:cNvPr>
@@ -642,7 +642,7 @@
           <p:cNvPr id="4" name="日期占位符 3">
             <a:extLst>
               <a:ext uri="{FF2B5EF4-FFF2-40B4-BE49-F238E27FC236}">
-                <a16:creationId xmlns:a16="http://schemas.microsoft.com/office/drawing/2014/main" id="{E6B3F4B8-8E90-5453-F618-5C8736A1F6C9}"/>
+                <a16:creationId xmlns:a16="http://schemas.microsoft.com/office/drawing/2014/main" id="{FB364C59-4890-F83F-29C9-D43F8E99D893}"/>
               </a:ext>
             </a:extLst>
           </p:cNvPr>
@@ -658,7 +658,7 @@
           <a:bodyPr/>
           <a:lstStyle/>
           <a:p>
-            <a:fld id="{B03B80B7-198C-4E22-9B3A-4EDDE56D13D1}" type="datetimeFigureOut">
+            <a:fld id="{085EBEFF-B4AA-4493-A2D6-8CC100486FD5}" type="datetimeFigureOut">
               <a:rPr lang="zh-CN" altLang="en-US" smtClean="0"/>
               <a:t>2024/3/10</a:t>
             </a:fld>
@@ -671,7 +671,7 @@
           <p:cNvPr id="5" name="页脚占位符 4">
             <a:extLst>
               <a:ext uri="{FF2B5EF4-FFF2-40B4-BE49-F238E27FC236}">
-                <a16:creationId xmlns:a16="http://schemas.microsoft.com/office/drawing/2014/main" id="{9425F691-54FC-8C30-C247-27B18F36BBA6}"/>
+                <a16:creationId xmlns:a16="http://schemas.microsoft.com/office/drawing/2014/main" id="{31C7D940-D4C2-36F7-3816-59109AD70E18}"/>
               </a:ext>
             </a:extLst>
           </p:cNvPr>
@@ -696,7 +696,7 @@
           <p:cNvPr id="6" name="灯片编号占位符 5">
             <a:extLst>
               <a:ext uri="{FF2B5EF4-FFF2-40B4-BE49-F238E27FC236}">
-                <a16:creationId xmlns:a16="http://schemas.microsoft.com/office/drawing/2014/main" id="{B4D7A419-0FEA-9338-83D3-2C0ED0673BE4}"/>
+                <a16:creationId xmlns:a16="http://schemas.microsoft.com/office/drawing/2014/main" id="{C913820E-194C-7400-40BD-6A9CE2407DB8}"/>
               </a:ext>
             </a:extLst>
           </p:cNvPr>
@@ -712,7 +712,7 @@
           <a:bodyPr/>
           <a:lstStyle/>
           <a:p>
-            <a:fld id="{F1E076C9-E43F-4D05-BF1B-6A88089624F1}" type="slidenum">
+            <a:fld id="{1CC65580-C926-4A92-96AD-CE2319679518}" type="slidenum">
               <a:rPr lang="zh-CN" altLang="en-US" smtClean="0"/>
               <a:t>‹#›</a:t>
             </a:fld>
@@ -723,7 +723,7 @@
     </p:spTree>
     <p:extLst>
       <p:ext uri="{BB962C8B-B14F-4D97-AF65-F5344CB8AC3E}">
-        <p14:creationId xmlns:p14="http://schemas.microsoft.com/office/powerpoint/2010/main" val="993871214"/>
+        <p14:creationId xmlns:p14="http://schemas.microsoft.com/office/powerpoint/2010/main" val="2099874643"/>
       </p:ext>
     </p:extLst>
   </p:cSld>
@@ -755,7 +755,7 @@
           <p:cNvPr id="2" name="标题 1">
             <a:extLst>
               <a:ext uri="{FF2B5EF4-FFF2-40B4-BE49-F238E27FC236}">
-                <a16:creationId xmlns:a16="http://schemas.microsoft.com/office/drawing/2014/main" id="{D87DD6B4-931B-5CC1-DB08-5D5BB1D655F4}"/>
+                <a16:creationId xmlns:a16="http://schemas.microsoft.com/office/drawing/2014/main" id="{41A4CE18-4807-CCB1-51DF-41C7541F8D39}"/>
               </a:ext>
             </a:extLst>
           </p:cNvPr>
@@ -783,7 +783,7 @@
           <p:cNvPr id="3" name="内容占位符 2">
             <a:extLst>
               <a:ext uri="{FF2B5EF4-FFF2-40B4-BE49-F238E27FC236}">
-                <a16:creationId xmlns:a16="http://schemas.microsoft.com/office/drawing/2014/main" id="{7BCAC3CF-7ABE-3540-4CF9-9F84F1E752A7}"/>
+                <a16:creationId xmlns:a16="http://schemas.microsoft.com/office/drawing/2014/main" id="{D1947293-1774-1A1E-A652-27A2711C8069}"/>
               </a:ext>
             </a:extLst>
           </p:cNvPr>
@@ -840,7 +840,7 @@
           <p:cNvPr id="4" name="日期占位符 3">
             <a:extLst>
               <a:ext uri="{FF2B5EF4-FFF2-40B4-BE49-F238E27FC236}">
-                <a16:creationId xmlns:a16="http://schemas.microsoft.com/office/drawing/2014/main" id="{11543424-F4D4-684E-4D54-79D0D8FC2B7A}"/>
+                <a16:creationId xmlns:a16="http://schemas.microsoft.com/office/drawing/2014/main" id="{3922DB08-4DE5-177F-66D7-0DAACFB57D10}"/>
               </a:ext>
             </a:extLst>
           </p:cNvPr>
@@ -856,7 +856,7 @@
           <a:bodyPr/>
           <a:lstStyle/>
           <a:p>
-            <a:fld id="{B03B80B7-198C-4E22-9B3A-4EDDE56D13D1}" type="datetimeFigureOut">
+            <a:fld id="{085EBEFF-B4AA-4493-A2D6-8CC100486FD5}" type="datetimeFigureOut">
               <a:rPr lang="zh-CN" altLang="en-US" smtClean="0"/>
               <a:t>2024/3/10</a:t>
             </a:fld>
@@ -869,7 +869,7 @@
           <p:cNvPr id="5" name="页脚占位符 4">
             <a:extLst>
               <a:ext uri="{FF2B5EF4-FFF2-40B4-BE49-F238E27FC236}">
-                <a16:creationId xmlns:a16="http://schemas.microsoft.com/office/drawing/2014/main" id="{3591AA55-9E83-FCCF-79F6-3DE4E93D871B}"/>
+                <a16:creationId xmlns:a16="http://schemas.microsoft.com/office/drawing/2014/main" id="{253398A0-3964-7873-E4FD-BC47C9F2C683}"/>
               </a:ext>
             </a:extLst>
           </p:cNvPr>
@@ -894,7 +894,7 @@
           <p:cNvPr id="6" name="灯片编号占位符 5">
             <a:extLst>
               <a:ext uri="{FF2B5EF4-FFF2-40B4-BE49-F238E27FC236}">
-                <a16:creationId xmlns:a16="http://schemas.microsoft.com/office/drawing/2014/main" id="{4639DDCE-CE68-FFC8-9D9F-109BB50E0252}"/>
+                <a16:creationId xmlns:a16="http://schemas.microsoft.com/office/drawing/2014/main" id="{CA75904E-8AF6-20CA-BDD0-0BE5FC6473D8}"/>
               </a:ext>
             </a:extLst>
           </p:cNvPr>
@@ -910,7 +910,7 @@
           <a:bodyPr/>
           <a:lstStyle/>
           <a:p>
-            <a:fld id="{F1E076C9-E43F-4D05-BF1B-6A88089624F1}" type="slidenum">
+            <a:fld id="{1CC65580-C926-4A92-96AD-CE2319679518}" type="slidenum">
               <a:rPr lang="zh-CN" altLang="en-US" smtClean="0"/>
               <a:t>‹#›</a:t>
             </a:fld>
@@ -921,7 +921,7 @@
     </p:spTree>
     <p:extLst>
       <p:ext uri="{BB962C8B-B14F-4D97-AF65-F5344CB8AC3E}">
-        <p14:creationId xmlns:p14="http://schemas.microsoft.com/office/powerpoint/2010/main" val="1887162595"/>
+        <p14:creationId xmlns:p14="http://schemas.microsoft.com/office/powerpoint/2010/main" val="3957396101"/>
       </p:ext>
     </p:extLst>
   </p:cSld>
@@ -953,7 +953,7 @@
           <p:cNvPr id="2" name="标题 1">
             <a:extLst>
               <a:ext uri="{FF2B5EF4-FFF2-40B4-BE49-F238E27FC236}">
-                <a16:creationId xmlns:a16="http://schemas.microsoft.com/office/drawing/2014/main" id="{60672C9C-4B9B-5C92-B8AC-A43093DAB59A}"/>
+                <a16:creationId xmlns:a16="http://schemas.microsoft.com/office/drawing/2014/main" id="{54639B9B-D33E-53BB-624D-E21C8A73BE2D}"/>
               </a:ext>
             </a:extLst>
           </p:cNvPr>
@@ -990,7 +990,7 @@
           <p:cNvPr id="3" name="文本占位符 2">
             <a:extLst>
               <a:ext uri="{FF2B5EF4-FFF2-40B4-BE49-F238E27FC236}">
-                <a16:creationId xmlns:a16="http://schemas.microsoft.com/office/drawing/2014/main" id="{2C7C2585-6076-ED24-1A96-56296836C35C}"/>
+                <a16:creationId xmlns:a16="http://schemas.microsoft.com/office/drawing/2014/main" id="{86A25C9F-5317-6C7A-31B0-47E47459D2C3}"/>
               </a:ext>
             </a:extLst>
           </p:cNvPr>
@@ -1115,7 +1115,7 @@
           <p:cNvPr id="4" name="日期占位符 3">
             <a:extLst>
               <a:ext uri="{FF2B5EF4-FFF2-40B4-BE49-F238E27FC236}">
-                <a16:creationId xmlns:a16="http://schemas.microsoft.com/office/drawing/2014/main" id="{73DA36E9-7B85-C9E4-238C-D40A48C8ACD0}"/>
+                <a16:creationId xmlns:a16="http://schemas.microsoft.com/office/drawing/2014/main" id="{1A40E8FE-1C96-D6F1-0D7D-62A091246BBA}"/>
               </a:ext>
             </a:extLst>
           </p:cNvPr>
@@ -1131,7 +1131,7 @@
           <a:bodyPr/>
           <a:lstStyle/>
           <a:p>
-            <a:fld id="{B03B80B7-198C-4E22-9B3A-4EDDE56D13D1}" type="datetimeFigureOut">
+            <a:fld id="{085EBEFF-B4AA-4493-A2D6-8CC100486FD5}" type="datetimeFigureOut">
               <a:rPr lang="zh-CN" altLang="en-US" smtClean="0"/>
               <a:t>2024/3/10</a:t>
             </a:fld>
@@ -1144,7 +1144,7 @@
           <p:cNvPr id="5" name="页脚占位符 4">
             <a:extLst>
               <a:ext uri="{FF2B5EF4-FFF2-40B4-BE49-F238E27FC236}">
-                <a16:creationId xmlns:a16="http://schemas.microsoft.com/office/drawing/2014/main" id="{551ACF61-6AE8-6FFB-6493-661CD253CFEB}"/>
+                <a16:creationId xmlns:a16="http://schemas.microsoft.com/office/drawing/2014/main" id="{2FD1E1AD-D5FE-C382-AD54-F7103CA67BAA}"/>
               </a:ext>
             </a:extLst>
           </p:cNvPr>
@@ -1169,7 +1169,7 @@
           <p:cNvPr id="6" name="灯片编号占位符 5">
             <a:extLst>
               <a:ext uri="{FF2B5EF4-FFF2-40B4-BE49-F238E27FC236}">
-                <a16:creationId xmlns:a16="http://schemas.microsoft.com/office/drawing/2014/main" id="{AA930402-0818-3DE3-2EC3-94F71CDA9B24}"/>
+                <a16:creationId xmlns:a16="http://schemas.microsoft.com/office/drawing/2014/main" id="{DAC5975E-13AF-7A73-2CA9-5D979C729452}"/>
               </a:ext>
             </a:extLst>
           </p:cNvPr>
@@ -1185,7 +1185,7 @@
           <a:bodyPr/>
           <a:lstStyle/>
           <a:p>
-            <a:fld id="{F1E076C9-E43F-4D05-BF1B-6A88089624F1}" type="slidenum">
+            <a:fld id="{1CC65580-C926-4A92-96AD-CE2319679518}" type="slidenum">
               <a:rPr lang="zh-CN" altLang="en-US" smtClean="0"/>
               <a:t>‹#›</a:t>
             </a:fld>
@@ -1196,7 +1196,7 @@
     </p:spTree>
     <p:extLst>
       <p:ext uri="{BB962C8B-B14F-4D97-AF65-F5344CB8AC3E}">
-        <p14:creationId xmlns:p14="http://schemas.microsoft.com/office/powerpoint/2010/main" val="3025324927"/>
+        <p14:creationId xmlns:p14="http://schemas.microsoft.com/office/powerpoint/2010/main" val="2372514454"/>
       </p:ext>
     </p:extLst>
   </p:cSld>
@@ -1228,7 +1228,7 @@
           <p:cNvPr id="2" name="标题 1">
             <a:extLst>
               <a:ext uri="{FF2B5EF4-FFF2-40B4-BE49-F238E27FC236}">
-                <a16:creationId xmlns:a16="http://schemas.microsoft.com/office/drawing/2014/main" id="{4F09B98F-ACB6-FA3E-B677-97CCC95D0D96}"/>
+                <a16:creationId xmlns:a16="http://schemas.microsoft.com/office/drawing/2014/main" id="{73B86866-DCFC-C7D3-7E23-1AA4F2339B25}"/>
               </a:ext>
             </a:extLst>
           </p:cNvPr>
@@ -1256,7 +1256,7 @@
           <p:cNvPr id="3" name="内容占位符 2">
             <a:extLst>
               <a:ext uri="{FF2B5EF4-FFF2-40B4-BE49-F238E27FC236}">
-                <a16:creationId xmlns:a16="http://schemas.microsoft.com/office/drawing/2014/main" id="{DA4F7100-760E-00E4-ADE3-874CC8ADD773}"/>
+                <a16:creationId xmlns:a16="http://schemas.microsoft.com/office/drawing/2014/main" id="{C106CD60-D7DE-4526-6C27-2CB5AD3C6B1C}"/>
               </a:ext>
             </a:extLst>
           </p:cNvPr>
@@ -1318,7 +1318,7 @@
           <p:cNvPr id="4" name="内容占位符 3">
             <a:extLst>
               <a:ext uri="{FF2B5EF4-FFF2-40B4-BE49-F238E27FC236}">
-                <a16:creationId xmlns:a16="http://schemas.microsoft.com/office/drawing/2014/main" id="{1FFB2059-D43C-CDD7-B9F3-7C1D3BF041A1}"/>
+                <a16:creationId xmlns:a16="http://schemas.microsoft.com/office/drawing/2014/main" id="{9340AE29-549C-5CEF-D7D9-7D3B336DB6B5}"/>
               </a:ext>
             </a:extLst>
           </p:cNvPr>
@@ -1380,7 +1380,7 @@
           <p:cNvPr id="5" name="日期占位符 4">
             <a:extLst>
               <a:ext uri="{FF2B5EF4-FFF2-40B4-BE49-F238E27FC236}">
-                <a16:creationId xmlns:a16="http://schemas.microsoft.com/office/drawing/2014/main" id="{0DD3F2C4-91D6-93D4-F456-EA1AA8A270B8}"/>
+                <a16:creationId xmlns:a16="http://schemas.microsoft.com/office/drawing/2014/main" id="{C0CEBC48-59DD-36B6-EE43-5DC3C059AE69}"/>
               </a:ext>
             </a:extLst>
           </p:cNvPr>
@@ -1396,7 +1396,7 @@
           <a:bodyPr/>
           <a:lstStyle/>
           <a:p>
-            <a:fld id="{B03B80B7-198C-4E22-9B3A-4EDDE56D13D1}" type="datetimeFigureOut">
+            <a:fld id="{085EBEFF-B4AA-4493-A2D6-8CC100486FD5}" type="datetimeFigureOut">
               <a:rPr lang="zh-CN" altLang="en-US" smtClean="0"/>
               <a:t>2024/3/10</a:t>
             </a:fld>
@@ -1409,7 +1409,7 @@
           <p:cNvPr id="6" name="页脚占位符 5">
             <a:extLst>
               <a:ext uri="{FF2B5EF4-FFF2-40B4-BE49-F238E27FC236}">
-                <a16:creationId xmlns:a16="http://schemas.microsoft.com/office/drawing/2014/main" id="{E51F7C8D-B0F9-3154-557A-D193BDED1A9F}"/>
+                <a16:creationId xmlns:a16="http://schemas.microsoft.com/office/drawing/2014/main" id="{02D4AD02-C8D3-1027-B69F-76D3C573F33F}"/>
               </a:ext>
             </a:extLst>
           </p:cNvPr>
@@ -1434,7 +1434,7 @@
           <p:cNvPr id="7" name="灯片编号占位符 6">
             <a:extLst>
               <a:ext uri="{FF2B5EF4-FFF2-40B4-BE49-F238E27FC236}">
-                <a16:creationId xmlns:a16="http://schemas.microsoft.com/office/drawing/2014/main" id="{7D614C7A-2BB9-FE01-E02C-471EDB190F99}"/>
+                <a16:creationId xmlns:a16="http://schemas.microsoft.com/office/drawing/2014/main" id="{EC8BFBD3-728E-49DF-5BC1-4D9BD2DBB724}"/>
               </a:ext>
             </a:extLst>
           </p:cNvPr>
@@ -1450,7 +1450,7 @@
           <a:bodyPr/>
           <a:lstStyle/>
           <a:p>
-            <a:fld id="{F1E076C9-E43F-4D05-BF1B-6A88089624F1}" type="slidenum">
+            <a:fld id="{1CC65580-C926-4A92-96AD-CE2319679518}" type="slidenum">
               <a:rPr lang="zh-CN" altLang="en-US" smtClean="0"/>
               <a:t>‹#›</a:t>
             </a:fld>
@@ -1461,7 +1461,7 @@
     </p:spTree>
     <p:extLst>
       <p:ext uri="{BB962C8B-B14F-4D97-AF65-F5344CB8AC3E}">
-        <p14:creationId xmlns:p14="http://schemas.microsoft.com/office/powerpoint/2010/main" val="2823268689"/>
+        <p14:creationId xmlns:p14="http://schemas.microsoft.com/office/powerpoint/2010/main" val="1097392260"/>
       </p:ext>
     </p:extLst>
   </p:cSld>
@@ -1493,7 +1493,7 @@
           <p:cNvPr id="2" name="标题 1">
             <a:extLst>
               <a:ext uri="{FF2B5EF4-FFF2-40B4-BE49-F238E27FC236}">
-                <a16:creationId xmlns:a16="http://schemas.microsoft.com/office/drawing/2014/main" id="{9B6D93B4-9390-BCF2-B504-D2C3D26A3F40}"/>
+                <a16:creationId xmlns:a16="http://schemas.microsoft.com/office/drawing/2014/main" id="{AD172E55-CD9A-435B-3792-C8D4ADA490D3}"/>
               </a:ext>
             </a:extLst>
           </p:cNvPr>
@@ -1526,7 +1526,7 @@
           <p:cNvPr id="3" name="文本占位符 2">
             <a:extLst>
               <a:ext uri="{FF2B5EF4-FFF2-40B4-BE49-F238E27FC236}">
-                <a16:creationId xmlns:a16="http://schemas.microsoft.com/office/drawing/2014/main" id="{C0D38A6B-B89B-FCB6-C63F-030EE5EF55BA}"/>
+                <a16:creationId xmlns:a16="http://schemas.microsoft.com/office/drawing/2014/main" id="{46F46982-1F5B-3483-498B-BAA5B13FD848}"/>
               </a:ext>
             </a:extLst>
           </p:cNvPr>
@@ -1597,7 +1597,7 @@
           <p:cNvPr id="4" name="内容占位符 3">
             <a:extLst>
               <a:ext uri="{FF2B5EF4-FFF2-40B4-BE49-F238E27FC236}">
-                <a16:creationId xmlns:a16="http://schemas.microsoft.com/office/drawing/2014/main" id="{36D6A6C4-FD20-A447-214A-CFA04072F243}"/>
+                <a16:creationId xmlns:a16="http://schemas.microsoft.com/office/drawing/2014/main" id="{7FF7E6E2-BC7F-5BDA-E118-55F516FC5D8E}"/>
               </a:ext>
             </a:extLst>
           </p:cNvPr>
@@ -1659,7 +1659,7 @@
           <p:cNvPr id="5" name="文本占位符 4">
             <a:extLst>
               <a:ext uri="{FF2B5EF4-FFF2-40B4-BE49-F238E27FC236}">
-                <a16:creationId xmlns:a16="http://schemas.microsoft.com/office/drawing/2014/main" id="{9248B448-366C-E990-6FDF-A6C348D7ABB5}"/>
+                <a16:creationId xmlns:a16="http://schemas.microsoft.com/office/drawing/2014/main" id="{6E9B0866-7AE7-7310-2A63-DD99D65A8734}"/>
               </a:ext>
             </a:extLst>
           </p:cNvPr>
@@ -1730,7 +1730,7 @@
           <p:cNvPr id="6" name="内容占位符 5">
             <a:extLst>
               <a:ext uri="{FF2B5EF4-FFF2-40B4-BE49-F238E27FC236}">
-                <a16:creationId xmlns:a16="http://schemas.microsoft.com/office/drawing/2014/main" id="{95D30B90-8162-E7C4-0B23-1994515F010B}"/>
+                <a16:creationId xmlns:a16="http://schemas.microsoft.com/office/drawing/2014/main" id="{7306A686-5416-8B12-7751-FAC812D537B4}"/>
               </a:ext>
             </a:extLst>
           </p:cNvPr>
@@ -1792,7 +1792,7 @@
           <p:cNvPr id="7" name="日期占位符 6">
             <a:extLst>
               <a:ext uri="{FF2B5EF4-FFF2-40B4-BE49-F238E27FC236}">
-                <a16:creationId xmlns:a16="http://schemas.microsoft.com/office/drawing/2014/main" id="{E9810AF3-36CE-FDEF-F357-8851DBA4B242}"/>
+                <a16:creationId xmlns:a16="http://schemas.microsoft.com/office/drawing/2014/main" id="{A1393A28-7AC3-718E-C317-83D6A6435629}"/>
               </a:ext>
             </a:extLst>
           </p:cNvPr>
@@ -1808,7 +1808,7 @@
           <a:bodyPr/>
           <a:lstStyle/>
           <a:p>
-            <a:fld id="{B03B80B7-198C-4E22-9B3A-4EDDE56D13D1}" type="datetimeFigureOut">
+            <a:fld id="{085EBEFF-B4AA-4493-A2D6-8CC100486FD5}" type="datetimeFigureOut">
               <a:rPr lang="zh-CN" altLang="en-US" smtClean="0"/>
               <a:t>2024/3/10</a:t>
             </a:fld>
@@ -1821,7 +1821,7 @@
           <p:cNvPr id="8" name="页脚占位符 7">
             <a:extLst>
               <a:ext uri="{FF2B5EF4-FFF2-40B4-BE49-F238E27FC236}">
-                <a16:creationId xmlns:a16="http://schemas.microsoft.com/office/drawing/2014/main" id="{AE8489F8-13D7-E555-ECAC-A9DD9E340A59}"/>
+                <a16:creationId xmlns:a16="http://schemas.microsoft.com/office/drawing/2014/main" id="{E12F2AAB-C784-CCB0-CC5E-33EF3DDABF0B}"/>
               </a:ext>
             </a:extLst>
           </p:cNvPr>
@@ -1846,7 +1846,7 @@
           <p:cNvPr id="9" name="灯片编号占位符 8">
             <a:extLst>
               <a:ext uri="{FF2B5EF4-FFF2-40B4-BE49-F238E27FC236}">
-                <a16:creationId xmlns:a16="http://schemas.microsoft.com/office/drawing/2014/main" id="{878F64DE-3D76-86FC-FBD0-9449E5D18632}"/>
+                <a16:creationId xmlns:a16="http://schemas.microsoft.com/office/drawing/2014/main" id="{931FE7B3-0C14-A54A-2A38-5053B698A731}"/>
               </a:ext>
             </a:extLst>
           </p:cNvPr>
@@ -1862,7 +1862,7 @@
           <a:bodyPr/>
           <a:lstStyle/>
           <a:p>
-            <a:fld id="{F1E076C9-E43F-4D05-BF1B-6A88089624F1}" type="slidenum">
+            <a:fld id="{1CC65580-C926-4A92-96AD-CE2319679518}" type="slidenum">
               <a:rPr lang="zh-CN" altLang="en-US" smtClean="0"/>
               <a:t>‹#›</a:t>
             </a:fld>
@@ -1873,7 +1873,7 @@
     </p:spTree>
     <p:extLst>
       <p:ext uri="{BB962C8B-B14F-4D97-AF65-F5344CB8AC3E}">
-        <p14:creationId xmlns:p14="http://schemas.microsoft.com/office/powerpoint/2010/main" val="2665770340"/>
+        <p14:creationId xmlns:p14="http://schemas.microsoft.com/office/powerpoint/2010/main" val="1693274326"/>
       </p:ext>
     </p:extLst>
   </p:cSld>
@@ -1905,7 +1905,7 @@
           <p:cNvPr id="2" name="标题 1">
             <a:extLst>
               <a:ext uri="{FF2B5EF4-FFF2-40B4-BE49-F238E27FC236}">
-                <a16:creationId xmlns:a16="http://schemas.microsoft.com/office/drawing/2014/main" id="{2850B31B-3441-3A8F-7349-41958376B41E}"/>
+                <a16:creationId xmlns:a16="http://schemas.microsoft.com/office/drawing/2014/main" id="{B3CD4698-CD17-A380-BC0F-1DB99A404B7C}"/>
               </a:ext>
             </a:extLst>
           </p:cNvPr>
@@ -1933,7 +1933,7 @@
           <p:cNvPr id="3" name="日期占位符 2">
             <a:extLst>
               <a:ext uri="{FF2B5EF4-FFF2-40B4-BE49-F238E27FC236}">
-                <a16:creationId xmlns:a16="http://schemas.microsoft.com/office/drawing/2014/main" id="{DE8CC769-49AC-A87E-C5B2-FE45F0C21025}"/>
+                <a16:creationId xmlns:a16="http://schemas.microsoft.com/office/drawing/2014/main" id="{DF1FF9F0-39DE-4F39-8647-9391C8964351}"/>
               </a:ext>
             </a:extLst>
           </p:cNvPr>
@@ -1949,7 +1949,7 @@
           <a:bodyPr/>
           <a:lstStyle/>
           <a:p>
-            <a:fld id="{B03B80B7-198C-4E22-9B3A-4EDDE56D13D1}" type="datetimeFigureOut">
+            <a:fld id="{085EBEFF-B4AA-4493-A2D6-8CC100486FD5}" type="datetimeFigureOut">
               <a:rPr lang="zh-CN" altLang="en-US" smtClean="0"/>
               <a:t>2024/3/10</a:t>
             </a:fld>
@@ -1962,7 +1962,7 @@
           <p:cNvPr id="4" name="页脚占位符 3">
             <a:extLst>
               <a:ext uri="{FF2B5EF4-FFF2-40B4-BE49-F238E27FC236}">
-                <a16:creationId xmlns:a16="http://schemas.microsoft.com/office/drawing/2014/main" id="{4BE15CBD-D95E-EB46-AE9A-4EFB8AB4A2E6}"/>
+                <a16:creationId xmlns:a16="http://schemas.microsoft.com/office/drawing/2014/main" id="{327C56DF-6398-F25E-2252-21A293FA43D2}"/>
               </a:ext>
             </a:extLst>
           </p:cNvPr>
@@ -1987,7 +1987,7 @@
           <p:cNvPr id="5" name="灯片编号占位符 4">
             <a:extLst>
               <a:ext uri="{FF2B5EF4-FFF2-40B4-BE49-F238E27FC236}">
-                <a16:creationId xmlns:a16="http://schemas.microsoft.com/office/drawing/2014/main" id="{4F01D876-CA7B-98A8-AFF2-02C55BCEE633}"/>
+                <a16:creationId xmlns:a16="http://schemas.microsoft.com/office/drawing/2014/main" id="{ED4A8FD0-33CC-9794-58FF-0B39CA19E42A}"/>
               </a:ext>
             </a:extLst>
           </p:cNvPr>
@@ -2003,7 +2003,7 @@
           <a:bodyPr/>
           <a:lstStyle/>
           <a:p>
-            <a:fld id="{F1E076C9-E43F-4D05-BF1B-6A88089624F1}" type="slidenum">
+            <a:fld id="{1CC65580-C926-4A92-96AD-CE2319679518}" type="slidenum">
               <a:rPr lang="zh-CN" altLang="en-US" smtClean="0"/>
               <a:t>‹#›</a:t>
             </a:fld>
@@ -2014,7 +2014,7 @@
     </p:spTree>
     <p:extLst>
       <p:ext uri="{BB962C8B-B14F-4D97-AF65-F5344CB8AC3E}">
-        <p14:creationId xmlns:p14="http://schemas.microsoft.com/office/powerpoint/2010/main" val="127599778"/>
+        <p14:creationId xmlns:p14="http://schemas.microsoft.com/office/powerpoint/2010/main" val="1518366386"/>
       </p:ext>
     </p:extLst>
   </p:cSld>
@@ -2046,7 +2046,7 @@
           <p:cNvPr id="2" name="日期占位符 1">
             <a:extLst>
               <a:ext uri="{FF2B5EF4-FFF2-40B4-BE49-F238E27FC236}">
-                <a16:creationId xmlns:a16="http://schemas.microsoft.com/office/drawing/2014/main" id="{5B8B5586-DD94-8550-4074-9833DBA927C0}"/>
+                <a16:creationId xmlns:a16="http://schemas.microsoft.com/office/drawing/2014/main" id="{6309DFFA-54C0-4053-EB13-BAD031FA1EAC}"/>
               </a:ext>
             </a:extLst>
           </p:cNvPr>
@@ -2062,7 +2062,7 @@
           <a:bodyPr/>
           <a:lstStyle/>
           <a:p>
-            <a:fld id="{B03B80B7-198C-4E22-9B3A-4EDDE56D13D1}" type="datetimeFigureOut">
+            <a:fld id="{085EBEFF-B4AA-4493-A2D6-8CC100486FD5}" type="datetimeFigureOut">
               <a:rPr lang="zh-CN" altLang="en-US" smtClean="0"/>
               <a:t>2024/3/10</a:t>
             </a:fld>
@@ -2075,7 +2075,7 @@
           <p:cNvPr id="3" name="页脚占位符 2">
             <a:extLst>
               <a:ext uri="{FF2B5EF4-FFF2-40B4-BE49-F238E27FC236}">
-                <a16:creationId xmlns:a16="http://schemas.microsoft.com/office/drawing/2014/main" id="{27F3EDBD-3FF1-9F65-588B-CBCBE2F91EB6}"/>
+                <a16:creationId xmlns:a16="http://schemas.microsoft.com/office/drawing/2014/main" id="{23212A54-4FA1-54B5-513F-5675DAEAAEA3}"/>
               </a:ext>
             </a:extLst>
           </p:cNvPr>
@@ -2100,7 +2100,7 @@
           <p:cNvPr id="4" name="灯片编号占位符 3">
             <a:extLst>
               <a:ext uri="{FF2B5EF4-FFF2-40B4-BE49-F238E27FC236}">
-                <a16:creationId xmlns:a16="http://schemas.microsoft.com/office/drawing/2014/main" id="{ACBCCDCD-E57A-A5BB-DAA2-EEA4BB1C9FA3}"/>
+                <a16:creationId xmlns:a16="http://schemas.microsoft.com/office/drawing/2014/main" id="{74F73D7B-9A4F-40F1-34D2-6735DD3D3FAA}"/>
               </a:ext>
             </a:extLst>
           </p:cNvPr>
@@ -2116,7 +2116,7 @@
           <a:bodyPr/>
           <a:lstStyle/>
           <a:p>
-            <a:fld id="{F1E076C9-E43F-4D05-BF1B-6A88089624F1}" type="slidenum">
+            <a:fld id="{1CC65580-C926-4A92-96AD-CE2319679518}" type="slidenum">
               <a:rPr lang="zh-CN" altLang="en-US" smtClean="0"/>
               <a:t>‹#›</a:t>
             </a:fld>
@@ -2127,7 +2127,7 @@
     </p:spTree>
     <p:extLst>
       <p:ext uri="{BB962C8B-B14F-4D97-AF65-F5344CB8AC3E}">
-        <p14:creationId xmlns:p14="http://schemas.microsoft.com/office/powerpoint/2010/main" val="1039607772"/>
+        <p14:creationId xmlns:p14="http://schemas.microsoft.com/office/powerpoint/2010/main" val="4206539729"/>
       </p:ext>
     </p:extLst>
   </p:cSld>
@@ -2159,7 +2159,7 @@
           <p:cNvPr id="2" name="标题 1">
             <a:extLst>
               <a:ext uri="{FF2B5EF4-FFF2-40B4-BE49-F238E27FC236}">
-                <a16:creationId xmlns:a16="http://schemas.microsoft.com/office/drawing/2014/main" id="{51B2526C-2176-1D8C-D786-D2CA6FE85DA5}"/>
+                <a16:creationId xmlns:a16="http://schemas.microsoft.com/office/drawing/2014/main" id="{62D9A49B-9C05-AEF0-1AC4-1377DB1E7ABD}"/>
               </a:ext>
             </a:extLst>
           </p:cNvPr>
@@ -2196,7 +2196,7 @@
           <p:cNvPr id="3" name="内容占位符 2">
             <a:extLst>
               <a:ext uri="{FF2B5EF4-FFF2-40B4-BE49-F238E27FC236}">
-                <a16:creationId xmlns:a16="http://schemas.microsoft.com/office/drawing/2014/main" id="{934B47F1-B210-A846-7196-3B4D8610FA74}"/>
+                <a16:creationId xmlns:a16="http://schemas.microsoft.com/office/drawing/2014/main" id="{3B138694-37AF-64E0-DDFD-66A47D524A3B}"/>
               </a:ext>
             </a:extLst>
           </p:cNvPr>
@@ -2286,7 +2286,7 @@
           <p:cNvPr id="4" name="文本占位符 3">
             <a:extLst>
               <a:ext uri="{FF2B5EF4-FFF2-40B4-BE49-F238E27FC236}">
-                <a16:creationId xmlns:a16="http://schemas.microsoft.com/office/drawing/2014/main" id="{648AD178-674B-CB53-8CEF-457E83A13FF4}"/>
+                <a16:creationId xmlns:a16="http://schemas.microsoft.com/office/drawing/2014/main" id="{349CF814-3C71-12D6-AA62-0C04E131AF64}"/>
               </a:ext>
             </a:extLst>
           </p:cNvPr>
@@ -2357,7 +2357,7 @@
           <p:cNvPr id="5" name="日期占位符 4">
             <a:extLst>
               <a:ext uri="{FF2B5EF4-FFF2-40B4-BE49-F238E27FC236}">
-                <a16:creationId xmlns:a16="http://schemas.microsoft.com/office/drawing/2014/main" id="{81C9E534-38B6-C678-A85B-6324730CA68B}"/>
+                <a16:creationId xmlns:a16="http://schemas.microsoft.com/office/drawing/2014/main" id="{BCA54709-3E94-AF65-45FD-BEF5899D6C39}"/>
               </a:ext>
             </a:extLst>
           </p:cNvPr>
@@ -2373,7 +2373,7 @@
           <a:bodyPr/>
           <a:lstStyle/>
           <a:p>
-            <a:fld id="{B03B80B7-198C-4E22-9B3A-4EDDE56D13D1}" type="datetimeFigureOut">
+            <a:fld id="{085EBEFF-B4AA-4493-A2D6-8CC100486FD5}" type="datetimeFigureOut">
               <a:rPr lang="zh-CN" altLang="en-US" smtClean="0"/>
               <a:t>2024/3/10</a:t>
             </a:fld>
@@ -2386,7 +2386,7 @@
           <p:cNvPr id="6" name="页脚占位符 5">
             <a:extLst>
               <a:ext uri="{FF2B5EF4-FFF2-40B4-BE49-F238E27FC236}">
-                <a16:creationId xmlns:a16="http://schemas.microsoft.com/office/drawing/2014/main" id="{EB21A156-8A6B-3C51-C55A-96FF76203A2D}"/>
+                <a16:creationId xmlns:a16="http://schemas.microsoft.com/office/drawing/2014/main" id="{EA2752CA-451F-E2D0-C0D9-3643039F8033}"/>
               </a:ext>
             </a:extLst>
           </p:cNvPr>
@@ -2411,7 +2411,7 @@
           <p:cNvPr id="7" name="灯片编号占位符 6">
             <a:extLst>
               <a:ext uri="{FF2B5EF4-FFF2-40B4-BE49-F238E27FC236}">
-                <a16:creationId xmlns:a16="http://schemas.microsoft.com/office/drawing/2014/main" id="{C804867C-5EAD-E107-E4EB-54FC07063C48}"/>
+                <a16:creationId xmlns:a16="http://schemas.microsoft.com/office/drawing/2014/main" id="{017A648A-F82E-4295-FE5C-745E86B96954}"/>
               </a:ext>
             </a:extLst>
           </p:cNvPr>
@@ -2427,7 +2427,7 @@
           <a:bodyPr/>
           <a:lstStyle/>
           <a:p>
-            <a:fld id="{F1E076C9-E43F-4D05-BF1B-6A88089624F1}" type="slidenum">
+            <a:fld id="{1CC65580-C926-4A92-96AD-CE2319679518}" type="slidenum">
               <a:rPr lang="zh-CN" altLang="en-US" smtClean="0"/>
               <a:t>‹#›</a:t>
             </a:fld>
@@ -2438,7 +2438,7 @@
     </p:spTree>
     <p:extLst>
       <p:ext uri="{BB962C8B-B14F-4D97-AF65-F5344CB8AC3E}">
-        <p14:creationId xmlns:p14="http://schemas.microsoft.com/office/powerpoint/2010/main" val="316636572"/>
+        <p14:creationId xmlns:p14="http://schemas.microsoft.com/office/powerpoint/2010/main" val="904436676"/>
       </p:ext>
     </p:extLst>
   </p:cSld>
@@ -2470,7 +2470,7 @@
           <p:cNvPr id="2" name="标题 1">
             <a:extLst>
               <a:ext uri="{FF2B5EF4-FFF2-40B4-BE49-F238E27FC236}">
-                <a16:creationId xmlns:a16="http://schemas.microsoft.com/office/drawing/2014/main" id="{42EEC016-9446-3E81-CEE4-1030FB549712}"/>
+                <a16:creationId xmlns:a16="http://schemas.microsoft.com/office/drawing/2014/main" id="{540A07A1-4DFD-BEE8-DAB4-6BEAA7BA12F3}"/>
               </a:ext>
             </a:extLst>
           </p:cNvPr>
@@ -2507,7 +2507,7 @@
           <p:cNvPr id="3" name="图片占位符 2">
             <a:extLst>
               <a:ext uri="{FF2B5EF4-FFF2-40B4-BE49-F238E27FC236}">
-                <a16:creationId xmlns:a16="http://schemas.microsoft.com/office/drawing/2014/main" id="{A4AE5144-267E-EB33-4694-CD005567F401}"/>
+                <a16:creationId xmlns:a16="http://schemas.microsoft.com/office/drawing/2014/main" id="{34C5177D-3312-1F0B-334A-F1E34041BD7D}"/>
               </a:ext>
             </a:extLst>
           </p:cNvPr>
@@ -2574,7 +2574,7 @@
           <p:cNvPr id="4" name="文本占位符 3">
             <a:extLst>
               <a:ext uri="{FF2B5EF4-FFF2-40B4-BE49-F238E27FC236}">
-                <a16:creationId xmlns:a16="http://schemas.microsoft.com/office/drawing/2014/main" id="{9A2426AC-7F72-C75A-143E-50A7DD261514}"/>
+                <a16:creationId xmlns:a16="http://schemas.microsoft.com/office/drawing/2014/main" id="{D6787715-CB66-D7F1-30D1-8E710CE24BAE}"/>
               </a:ext>
             </a:extLst>
           </p:cNvPr>
@@ -2645,7 +2645,7 @@
           <p:cNvPr id="5" name="日期占位符 4">
             <a:extLst>
               <a:ext uri="{FF2B5EF4-FFF2-40B4-BE49-F238E27FC236}">
-                <a16:creationId xmlns:a16="http://schemas.microsoft.com/office/drawing/2014/main" id="{7236BCD8-7C07-21FA-7621-4AB14F2CB7B0}"/>
+                <a16:creationId xmlns:a16="http://schemas.microsoft.com/office/drawing/2014/main" id="{D974D677-E229-1C9B-0D63-F5D1B0012F55}"/>
               </a:ext>
             </a:extLst>
           </p:cNvPr>
@@ -2661,7 +2661,7 @@
           <a:bodyPr/>
           <a:lstStyle/>
           <a:p>
-            <a:fld id="{B03B80B7-198C-4E22-9B3A-4EDDE56D13D1}" type="datetimeFigureOut">
+            <a:fld id="{085EBEFF-B4AA-4493-A2D6-8CC100486FD5}" type="datetimeFigureOut">
               <a:rPr lang="zh-CN" altLang="en-US" smtClean="0"/>
               <a:t>2024/3/10</a:t>
             </a:fld>
@@ -2674,7 +2674,7 @@
           <p:cNvPr id="6" name="页脚占位符 5">
             <a:extLst>
               <a:ext uri="{FF2B5EF4-FFF2-40B4-BE49-F238E27FC236}">
-                <a16:creationId xmlns:a16="http://schemas.microsoft.com/office/drawing/2014/main" id="{071076E1-F393-5466-444B-5CB752500D22}"/>
+                <a16:creationId xmlns:a16="http://schemas.microsoft.com/office/drawing/2014/main" id="{F0CDEEB8-44DB-E705-D099-0129036EBCF4}"/>
               </a:ext>
             </a:extLst>
           </p:cNvPr>
@@ -2699,7 +2699,7 @@
           <p:cNvPr id="7" name="灯片编号占位符 6">
             <a:extLst>
               <a:ext uri="{FF2B5EF4-FFF2-40B4-BE49-F238E27FC236}">
-                <a16:creationId xmlns:a16="http://schemas.microsoft.com/office/drawing/2014/main" id="{23ED07E1-92AE-0F23-03C5-BE0A36FC71EB}"/>
+                <a16:creationId xmlns:a16="http://schemas.microsoft.com/office/drawing/2014/main" id="{761C6954-1CE6-9582-9480-B9AFFD382A21}"/>
               </a:ext>
             </a:extLst>
           </p:cNvPr>
@@ -2715,7 +2715,7 @@
           <a:bodyPr/>
           <a:lstStyle/>
           <a:p>
-            <a:fld id="{F1E076C9-E43F-4D05-BF1B-6A88089624F1}" type="slidenum">
+            <a:fld id="{1CC65580-C926-4A92-96AD-CE2319679518}" type="slidenum">
               <a:rPr lang="zh-CN" altLang="en-US" smtClean="0"/>
               <a:t>‹#›</a:t>
             </a:fld>
@@ -2726,7 +2726,7 @@
     </p:spTree>
     <p:extLst>
       <p:ext uri="{BB962C8B-B14F-4D97-AF65-F5344CB8AC3E}">
-        <p14:creationId xmlns:p14="http://schemas.microsoft.com/office/powerpoint/2010/main" val="1861508319"/>
+        <p14:creationId xmlns:p14="http://schemas.microsoft.com/office/powerpoint/2010/main" val="2592835921"/>
       </p:ext>
     </p:extLst>
   </p:cSld>
@@ -2763,7 +2763,7 @@
           <p:cNvPr id="2" name="标题占位符 1">
             <a:extLst>
               <a:ext uri="{FF2B5EF4-FFF2-40B4-BE49-F238E27FC236}">
-                <a16:creationId xmlns:a16="http://schemas.microsoft.com/office/drawing/2014/main" id="{28344C70-92BE-1E2E-49A5-59689C5B805F}"/>
+                <a16:creationId xmlns:a16="http://schemas.microsoft.com/office/drawing/2014/main" id="{4C8DF546-5FD6-6A57-9648-561B84F0B99E}"/>
               </a:ext>
             </a:extLst>
           </p:cNvPr>
@@ -2801,7 +2801,7 @@
           <p:cNvPr id="3" name="文本占位符 2">
             <a:extLst>
               <a:ext uri="{FF2B5EF4-FFF2-40B4-BE49-F238E27FC236}">
-                <a16:creationId xmlns:a16="http://schemas.microsoft.com/office/drawing/2014/main" id="{F7771297-AAF3-60C5-E543-3885883FC5EE}"/>
+                <a16:creationId xmlns:a16="http://schemas.microsoft.com/office/drawing/2014/main" id="{9F35627D-665C-548E-6CB8-A3838C6D62D5}"/>
               </a:ext>
             </a:extLst>
           </p:cNvPr>
@@ -2868,7 +2868,7 @@
           <p:cNvPr id="4" name="日期占位符 3">
             <a:extLst>
               <a:ext uri="{FF2B5EF4-FFF2-40B4-BE49-F238E27FC236}">
-                <a16:creationId xmlns:a16="http://schemas.microsoft.com/office/drawing/2014/main" id="{B61BF302-794E-0BF9-0DD9-72BD74843BF8}"/>
+                <a16:creationId xmlns:a16="http://schemas.microsoft.com/office/drawing/2014/main" id="{BDDDF531-78E1-F8E4-3E61-0F302ACDCA8A}"/>
               </a:ext>
             </a:extLst>
           </p:cNvPr>
@@ -2902,7 +2902,7 @@
             </a:lvl1pPr>
           </a:lstStyle>
           <a:p>
-            <a:fld id="{B03B80B7-198C-4E22-9B3A-4EDDE56D13D1}" type="datetimeFigureOut">
+            <a:fld id="{085EBEFF-B4AA-4493-A2D6-8CC100486FD5}" type="datetimeFigureOut">
               <a:rPr lang="zh-CN" altLang="en-US" smtClean="0"/>
               <a:t>2024/3/10</a:t>
             </a:fld>
@@ -2915,7 +2915,7 @@
           <p:cNvPr id="5" name="页脚占位符 4">
             <a:extLst>
               <a:ext uri="{FF2B5EF4-FFF2-40B4-BE49-F238E27FC236}">
-                <a16:creationId xmlns:a16="http://schemas.microsoft.com/office/drawing/2014/main" id="{ECF2EB44-F6CB-0801-8111-0E6E56711E99}"/>
+                <a16:creationId xmlns:a16="http://schemas.microsoft.com/office/drawing/2014/main" id="{2CCCC56B-BE27-3C14-8CB1-EE398AACF02F}"/>
               </a:ext>
             </a:extLst>
           </p:cNvPr>
@@ -2958,7 +2958,7 @@
           <p:cNvPr id="6" name="灯片编号占位符 5">
             <a:extLst>
               <a:ext uri="{FF2B5EF4-FFF2-40B4-BE49-F238E27FC236}">
-                <a16:creationId xmlns:a16="http://schemas.microsoft.com/office/drawing/2014/main" id="{173A8D72-8497-6B8D-285D-955941F0B154}"/>
+                <a16:creationId xmlns:a16="http://schemas.microsoft.com/office/drawing/2014/main" id="{78E55921-4F94-A22B-8919-0C076D927C14}"/>
               </a:ext>
             </a:extLst>
           </p:cNvPr>
@@ -2992,7 +2992,7 @@
             </a:lvl1pPr>
           </a:lstStyle>
           <a:p>
-            <a:fld id="{F1E076C9-E43F-4D05-BF1B-6A88089624F1}" type="slidenum">
+            <a:fld id="{1CC65580-C926-4A92-96AD-CE2319679518}" type="slidenum">
               <a:rPr lang="zh-CN" altLang="en-US" smtClean="0"/>
               <a:t>‹#›</a:t>
             </a:fld>
@@ -3003,7 +3003,7 @@
     </p:spTree>
     <p:extLst>
       <p:ext uri="{BB962C8B-B14F-4D97-AF65-F5344CB8AC3E}">
-        <p14:creationId xmlns:p14="http://schemas.microsoft.com/office/powerpoint/2010/main" val="1869494223"/>
+        <p14:creationId xmlns:p14="http://schemas.microsoft.com/office/powerpoint/2010/main" val="1082491083"/>
       </p:ext>
     </p:extLst>
   </p:cSld>
